--- a/doc/SoftwareDesign/Regulator/状态机.pptx
+++ b/doc/SoftwareDesign/Regulator/状态机.pptx
@@ -209,7 +209,7 @@
           <a:p>
             <a:fld id="{D3B97934-3B81-4327-8A96-0CEC90FB0F92}" type="datetimeFigureOut">
               <a:rPr lang="zh-CN" altLang="en-US" smtClean="0"/>
-              <a:t>2022/08/14</a:t>
+              <a:t>2022/08/25</a:t>
             </a:fld>
             <a:endParaRPr lang="zh-CN" altLang="en-US"/>
           </a:p>
@@ -1067,7 +1067,7 @@
           <a:p>
             <a:fld id="{0656ACFA-E609-49C4-A148-403E79F69CD4}" type="datetimeFigureOut">
               <a:rPr lang="zh-CN" altLang="en-US" smtClean="0"/>
-              <a:t>2022/08/14</a:t>
+              <a:t>2022/08/25</a:t>
             </a:fld>
             <a:endParaRPr lang="zh-CN" altLang="en-US"/>
           </a:p>
@@ -1265,7 +1265,7 @@
           <a:p>
             <a:fld id="{0656ACFA-E609-49C4-A148-403E79F69CD4}" type="datetimeFigureOut">
               <a:rPr lang="zh-CN" altLang="en-US" smtClean="0"/>
-              <a:t>2022/08/14</a:t>
+              <a:t>2022/08/25</a:t>
             </a:fld>
             <a:endParaRPr lang="zh-CN" altLang="en-US"/>
           </a:p>
@@ -1473,7 +1473,7 @@
           <a:p>
             <a:fld id="{0656ACFA-E609-49C4-A148-403E79F69CD4}" type="datetimeFigureOut">
               <a:rPr lang="zh-CN" altLang="en-US" smtClean="0"/>
-              <a:t>2022/08/14</a:t>
+              <a:t>2022/08/25</a:t>
             </a:fld>
             <a:endParaRPr lang="zh-CN" altLang="en-US"/>
           </a:p>
@@ -1671,7 +1671,7 @@
           <a:p>
             <a:fld id="{0656ACFA-E609-49C4-A148-403E79F69CD4}" type="datetimeFigureOut">
               <a:rPr lang="zh-CN" altLang="en-US" smtClean="0"/>
-              <a:t>2022/08/14</a:t>
+              <a:t>2022/08/25</a:t>
             </a:fld>
             <a:endParaRPr lang="zh-CN" altLang="en-US"/>
           </a:p>
@@ -1946,7 +1946,7 @@
           <a:p>
             <a:fld id="{0656ACFA-E609-49C4-A148-403E79F69CD4}" type="datetimeFigureOut">
               <a:rPr lang="zh-CN" altLang="en-US" smtClean="0"/>
-              <a:t>2022/08/14</a:t>
+              <a:t>2022/08/25</a:t>
             </a:fld>
             <a:endParaRPr lang="zh-CN" altLang="en-US"/>
           </a:p>
@@ -2211,7 +2211,7 @@
           <a:p>
             <a:fld id="{0656ACFA-E609-49C4-A148-403E79F69CD4}" type="datetimeFigureOut">
               <a:rPr lang="zh-CN" altLang="en-US" smtClean="0"/>
-              <a:t>2022/08/14</a:t>
+              <a:t>2022/08/25</a:t>
             </a:fld>
             <a:endParaRPr lang="zh-CN" altLang="en-US"/>
           </a:p>
@@ -2623,7 +2623,7 @@
           <a:p>
             <a:fld id="{0656ACFA-E609-49C4-A148-403E79F69CD4}" type="datetimeFigureOut">
               <a:rPr lang="zh-CN" altLang="en-US" smtClean="0"/>
-              <a:t>2022/08/14</a:t>
+              <a:t>2022/08/25</a:t>
             </a:fld>
             <a:endParaRPr lang="zh-CN" altLang="en-US"/>
           </a:p>
@@ -2764,7 +2764,7 @@
           <a:p>
             <a:fld id="{0656ACFA-E609-49C4-A148-403E79F69CD4}" type="datetimeFigureOut">
               <a:rPr lang="zh-CN" altLang="en-US" smtClean="0"/>
-              <a:t>2022/08/14</a:t>
+              <a:t>2022/08/25</a:t>
             </a:fld>
             <a:endParaRPr lang="zh-CN" altLang="en-US"/>
           </a:p>
@@ -2877,7 +2877,7 @@
           <a:p>
             <a:fld id="{0656ACFA-E609-49C4-A148-403E79F69CD4}" type="datetimeFigureOut">
               <a:rPr lang="zh-CN" altLang="en-US" smtClean="0"/>
-              <a:t>2022/08/14</a:t>
+              <a:t>2022/08/25</a:t>
             </a:fld>
             <a:endParaRPr lang="zh-CN" altLang="en-US"/>
           </a:p>
@@ -3188,7 +3188,7 @@
           <a:p>
             <a:fld id="{0656ACFA-E609-49C4-A148-403E79F69CD4}" type="datetimeFigureOut">
               <a:rPr lang="zh-CN" altLang="en-US" smtClean="0"/>
-              <a:t>2022/08/14</a:t>
+              <a:t>2022/08/25</a:t>
             </a:fld>
             <a:endParaRPr lang="zh-CN" altLang="en-US"/>
           </a:p>
@@ -3476,7 +3476,7 @@
           <a:p>
             <a:fld id="{0656ACFA-E609-49C4-A148-403E79F69CD4}" type="datetimeFigureOut">
               <a:rPr lang="zh-CN" altLang="en-US" smtClean="0"/>
-              <a:t>2022/08/14</a:t>
+              <a:t>2022/08/25</a:t>
             </a:fld>
             <a:endParaRPr lang="zh-CN" altLang="en-US"/>
           </a:p>
@@ -3717,7 +3717,7 @@
           <a:p>
             <a:fld id="{0656ACFA-E609-49C4-A148-403E79F69CD4}" type="datetimeFigureOut">
               <a:rPr lang="zh-CN" altLang="en-US" smtClean="0"/>
-              <a:t>2022/08/14</a:t>
+              <a:t>2022/08/25</a:t>
             </a:fld>
             <a:endParaRPr lang="zh-CN" altLang="en-US"/>
           </a:p>
@@ -7565,57 +7565,6 @@
           </a:p>
         </p:txBody>
       </p:sp>
-      <p:sp>
-        <p:nvSpPr>
-          <p:cNvPr id="136" name="文本框 135">
-            <a:extLst>
-              <a:ext uri="{FF2B5EF4-FFF2-40B4-BE49-F238E27FC236}">
-                <a16:creationId xmlns:a16="http://schemas.microsoft.com/office/drawing/2014/main" id="{87465222-E054-4E2E-BE51-918570EA0B9E}"/>
-              </a:ext>
-            </a:extLst>
-          </p:cNvPr>
-          <p:cNvSpPr txBox="1"/>
-          <p:nvPr/>
-        </p:nvSpPr>
-        <p:spPr>
-          <a:xfrm flipH="1">
-            <a:off x="3960274" y="2505707"/>
-            <a:ext cx="2357527" cy="307777"/>
-          </a:xfrm>
-          <a:prstGeom prst="rect">
-            <a:avLst/>
-          </a:prstGeom>
-          <a:noFill/>
-        </p:spPr>
-        <p:txBody>
-          <a:bodyPr wrap="square" rtlCol="0">
-            <a:spAutoFit/>
-          </a:bodyPr>
-          <a:lstStyle/>
-          <a:p>
-            <a:r>
-              <a:rPr lang="en-US" altLang="zh-CN" sz="1400" dirty="0"/>
-              <a:t>(1)</a:t>
-            </a:r>
-            <a:r>
-              <a:rPr lang="zh-CN" altLang="en-US" sz="1400" dirty="0"/>
-              <a:t>手动重新添加</a:t>
-            </a:r>
-            <a:r>
-              <a:rPr lang="en-US" altLang="zh-CN" sz="1400" dirty="0"/>
-              <a:t>:</a:t>
-            </a:r>
-            <a:r>
-              <a:rPr lang="zh-CN" altLang="en-US" sz="1400" dirty="0"/>
-              <a:t>成功</a:t>
-            </a:r>
-            <a:r>
-              <a:rPr lang="en-US" altLang="zh-CN" sz="1400" dirty="0"/>
-              <a:t>;</a:t>
-            </a:r>
-          </a:p>
-        </p:txBody>
-      </p:sp>
       <p:cxnSp>
         <p:nvCxnSpPr>
           <p:cNvPr id="137" name="直接箭头连接符 136">
@@ -7698,99 +7647,6 @@
           </a:p>
         </p:txBody>
       </p:sp>
-      <p:cxnSp>
-        <p:nvCxnSpPr>
-          <p:cNvPr id="139" name="直接箭头连接符 138">
-            <a:extLst>
-              <a:ext uri="{FF2B5EF4-FFF2-40B4-BE49-F238E27FC236}">
-                <a16:creationId xmlns:a16="http://schemas.microsoft.com/office/drawing/2014/main" id="{6D783E16-7C8C-406E-8DD9-B54F32B3095D}"/>
-              </a:ext>
-            </a:extLst>
-          </p:cNvPr>
-          <p:cNvCxnSpPr>
-            <a:cxnSpLocks/>
-            <a:stCxn id="110" idx="5"/>
-            <a:endCxn id="109" idx="1"/>
-          </p:cNvCxnSpPr>
-          <p:nvPr/>
-        </p:nvCxnSpPr>
-        <p:spPr>
-          <a:xfrm>
-            <a:off x="3865142" y="2342094"/>
-            <a:ext cx="1724426" cy="1106681"/>
-          </a:xfrm>
-          <a:prstGeom prst="straightConnector1">
-            <a:avLst/>
-          </a:prstGeom>
-          <a:ln>
-            <a:tailEnd type="triangle"/>
-          </a:ln>
-        </p:spPr>
-        <p:style>
-          <a:lnRef idx="1">
-            <a:schemeClr val="accent1"/>
-          </a:lnRef>
-          <a:fillRef idx="0">
-            <a:schemeClr val="accent1"/>
-          </a:fillRef>
-          <a:effectRef idx="0">
-            <a:schemeClr val="accent1"/>
-          </a:effectRef>
-          <a:fontRef idx="minor">
-            <a:schemeClr val="tx1"/>
-          </a:fontRef>
-        </p:style>
-      </p:cxnSp>
-      <p:sp>
-        <p:nvSpPr>
-          <p:cNvPr id="140" name="弧形 139">
-            <a:extLst>
-              <a:ext uri="{FF2B5EF4-FFF2-40B4-BE49-F238E27FC236}">
-                <a16:creationId xmlns:a16="http://schemas.microsoft.com/office/drawing/2014/main" id="{E7266C38-C794-45CC-91D0-DF66B1D992AE}"/>
-              </a:ext>
-            </a:extLst>
-          </p:cNvPr>
-          <p:cNvSpPr/>
-          <p:nvPr/>
-        </p:nvSpPr>
-        <p:spPr>
-          <a:xfrm rot="19723631">
-            <a:off x="2355315" y="1881751"/>
-            <a:ext cx="294579" cy="289448"/>
-          </a:xfrm>
-          <a:prstGeom prst="arc">
-            <a:avLst>
-              <a:gd name="adj1" fmla="val 2029203"/>
-              <a:gd name="adj2" fmla="val 21400841"/>
-            </a:avLst>
-          </a:prstGeom>
-          <a:ln>
-            <a:headEnd type="triangle"/>
-          </a:ln>
-        </p:spPr>
-        <p:style>
-          <a:lnRef idx="1">
-            <a:schemeClr val="accent1"/>
-          </a:lnRef>
-          <a:fillRef idx="0">
-            <a:schemeClr val="accent1"/>
-          </a:fillRef>
-          <a:effectRef idx="0">
-            <a:schemeClr val="accent1"/>
-          </a:effectRef>
-          <a:fontRef idx="minor">
-            <a:schemeClr val="tx1"/>
-          </a:fontRef>
-        </p:style>
-        <p:txBody>
-          <a:bodyPr rtlCol="0" anchor="ctr"/>
-          <a:lstStyle/>
-          <a:p>
-            <a:pPr algn="ctr"/>
-            <a:endParaRPr lang="zh-CN" altLang="en-US" dirty="0"/>
-          </a:p>
-        </p:txBody>
-      </p:sp>
       <p:sp>
         <p:nvSpPr>
           <p:cNvPr id="141" name="弧形 140">
@@ -7838,57 +7694,6 @@
           <a:p>
             <a:pPr algn="ctr"/>
             <a:endParaRPr lang="zh-CN" altLang="en-US" dirty="0"/>
-          </a:p>
-        </p:txBody>
-      </p:sp>
-      <p:sp>
-        <p:nvSpPr>
-          <p:cNvPr id="142" name="文本框 141">
-            <a:extLst>
-              <a:ext uri="{FF2B5EF4-FFF2-40B4-BE49-F238E27FC236}">
-                <a16:creationId xmlns:a16="http://schemas.microsoft.com/office/drawing/2014/main" id="{B68364D1-5FE9-47F2-9006-DB6143FB6226}"/>
-              </a:ext>
-            </a:extLst>
-          </p:cNvPr>
-          <p:cNvSpPr txBox="1"/>
-          <p:nvPr/>
-        </p:nvSpPr>
-        <p:spPr>
-          <a:xfrm flipH="1">
-            <a:off x="902112" y="1848803"/>
-            <a:ext cx="2357527" cy="307777"/>
-          </a:xfrm>
-          <a:prstGeom prst="rect">
-            <a:avLst/>
-          </a:prstGeom>
-          <a:noFill/>
-        </p:spPr>
-        <p:txBody>
-          <a:bodyPr wrap="square" rtlCol="0">
-            <a:spAutoFit/>
-          </a:bodyPr>
-          <a:lstStyle/>
-          <a:p>
-            <a:r>
-              <a:rPr lang="en-US" altLang="zh-CN" sz="1400" dirty="0"/>
-              <a:t>(1)</a:t>
-            </a:r>
-            <a:r>
-              <a:rPr lang="zh-CN" altLang="en-US" sz="1400" dirty="0"/>
-              <a:t>手动重新添加</a:t>
-            </a:r>
-            <a:r>
-              <a:rPr lang="en-US" altLang="zh-CN" sz="1400" dirty="0"/>
-              <a:t>:</a:t>
-            </a:r>
-            <a:r>
-              <a:rPr lang="zh-CN" altLang="en-US" sz="1400" dirty="0"/>
-              <a:t>失败</a:t>
-            </a:r>
-            <a:r>
-              <a:rPr lang="en-US" altLang="zh-CN" sz="1400" dirty="0"/>
-              <a:t>;</a:t>
-            </a:r>
           </a:p>
         </p:txBody>
       </p:sp>
@@ -8336,6 +8141,99 @@
               <a:t>SFC</a:t>
             </a:r>
             <a:endParaRPr lang="zh-CN" altLang="en-US" sz="1400" dirty="0"/>
+          </a:p>
+        </p:txBody>
+      </p:sp>
+      <p:sp>
+        <p:nvSpPr>
+          <p:cNvPr id="49" name="文本框 48">
+            <a:extLst>
+              <a:ext uri="{FF2B5EF4-FFF2-40B4-BE49-F238E27FC236}">
+                <a16:creationId xmlns:a16="http://schemas.microsoft.com/office/drawing/2014/main" id="{3212C152-CD2B-4CDB-A29B-A46DF42F1AE7}"/>
+              </a:ext>
+            </a:extLst>
+          </p:cNvPr>
+          <p:cNvSpPr txBox="1"/>
+          <p:nvPr/>
+        </p:nvSpPr>
+        <p:spPr>
+          <a:xfrm flipH="1">
+            <a:off x="895094" y="2473003"/>
+            <a:ext cx="2046326" cy="307777"/>
+          </a:xfrm>
+          <a:prstGeom prst="rect">
+            <a:avLst/>
+          </a:prstGeom>
+          <a:noFill/>
+        </p:spPr>
+        <p:txBody>
+          <a:bodyPr wrap="square" rtlCol="0">
+            <a:spAutoFit/>
+          </a:bodyPr>
+          <a:lstStyle/>
+          <a:p>
+            <a:r>
+              <a:rPr lang="en-US" altLang="zh-CN" sz="1400" dirty="0"/>
+              <a:t>(1)</a:t>
+            </a:r>
+            <a:r>
+              <a:rPr lang="zh-CN" altLang="en-US" sz="1400" dirty="0"/>
+              <a:t>手动重新添加</a:t>
+            </a:r>
+            <a:r>
+              <a:rPr lang="en-US" altLang="zh-CN" sz="1400" dirty="0"/>
+              <a:t>;</a:t>
+            </a:r>
+          </a:p>
+        </p:txBody>
+      </p:sp>
+      <p:sp>
+        <p:nvSpPr>
+          <p:cNvPr id="50" name="弧形 49">
+            <a:extLst>
+              <a:ext uri="{FF2B5EF4-FFF2-40B4-BE49-F238E27FC236}">
+                <a16:creationId xmlns:a16="http://schemas.microsoft.com/office/drawing/2014/main" id="{20002A8B-BE37-451A-BECD-1F42D622824E}"/>
+              </a:ext>
+            </a:extLst>
+          </p:cNvPr>
+          <p:cNvSpPr/>
+          <p:nvPr/>
+        </p:nvSpPr>
+        <p:spPr>
+          <a:xfrm rot="16200000">
+            <a:off x="1500428" y="2428505"/>
+            <a:ext cx="2306085" cy="931904"/>
+          </a:xfrm>
+          <a:prstGeom prst="arc">
+            <a:avLst>
+              <a:gd name="adj1" fmla="val 10854140"/>
+              <a:gd name="adj2" fmla="val 21400841"/>
+            </a:avLst>
+          </a:prstGeom>
+          <a:ln>
+            <a:headEnd type="triangle"/>
+          </a:ln>
+        </p:spPr>
+        <p:style>
+          <a:lnRef idx="1">
+            <a:schemeClr val="accent1"/>
+          </a:lnRef>
+          <a:fillRef idx="0">
+            <a:schemeClr val="accent1"/>
+          </a:fillRef>
+          <a:effectRef idx="0">
+            <a:schemeClr val="accent1"/>
+          </a:effectRef>
+          <a:fontRef idx="minor">
+            <a:schemeClr val="tx1"/>
+          </a:fontRef>
+        </p:style>
+        <p:txBody>
+          <a:bodyPr rtlCol="0" anchor="ctr"/>
+          <a:lstStyle/>
+          <a:p>
+            <a:pPr algn="ctr"/>
+            <a:endParaRPr lang="zh-CN" altLang="en-US" dirty="0"/>
           </a:p>
         </p:txBody>
       </p:sp>
@@ -8914,7 +8812,7 @@
         </p:nvSpPr>
         <p:spPr>
           <a:xfrm flipH="1">
-            <a:off x="4260251" y="2352121"/>
+            <a:off x="895094" y="2473003"/>
             <a:ext cx="2046326" cy="738664"/>
           </a:xfrm>
           <a:prstGeom prst="rect">
@@ -8938,15 +8836,7 @@
             </a:r>
             <a:r>
               <a:rPr lang="en-US" altLang="zh-CN" sz="1400" dirty="0"/>
-              <a:t>SFCI:</a:t>
-            </a:r>
-            <a:r>
-              <a:rPr lang="zh-CN" altLang="en-US" sz="1400" dirty="0"/>
-              <a:t>成功</a:t>
-            </a:r>
-            <a:r>
-              <a:rPr lang="en-US" altLang="zh-CN" sz="1400" dirty="0"/>
-              <a:t>;</a:t>
+              <a:t>SFCI;</a:t>
             </a:r>
           </a:p>
           <a:p>
@@ -8957,14 +8847,6 @@
             <a:r>
               <a:rPr lang="zh-CN" altLang="en-US" sz="1400" dirty="0"/>
               <a:t>人工重新添加</a:t>
-            </a:r>
-            <a:r>
-              <a:rPr lang="en-US" altLang="zh-CN" sz="1400" dirty="0"/>
-              <a:t>:</a:t>
-            </a:r>
-            <a:r>
-              <a:rPr lang="zh-CN" altLang="en-US" sz="1400" dirty="0"/>
-              <a:t>成功</a:t>
             </a:r>
             <a:r>
               <a:rPr lang="en-US" altLang="zh-CN" sz="1400" dirty="0"/>
@@ -9301,49 +9183,6 @@
           </a:p>
         </p:txBody>
       </p:sp>
-      <p:cxnSp>
-        <p:nvCxnSpPr>
-          <p:cNvPr id="68" name="直接箭头连接符 67">
-            <a:extLst>
-              <a:ext uri="{FF2B5EF4-FFF2-40B4-BE49-F238E27FC236}">
-                <a16:creationId xmlns:a16="http://schemas.microsoft.com/office/drawing/2014/main" id="{5F02BFC0-EBD2-446A-823D-7BF70D8C1816}"/>
-              </a:ext>
-            </a:extLst>
-          </p:cNvPr>
-          <p:cNvCxnSpPr>
-            <a:cxnSpLocks/>
-            <a:stCxn id="39" idx="5"/>
-            <a:endCxn id="38" idx="1"/>
-          </p:cNvCxnSpPr>
-          <p:nvPr/>
-        </p:nvCxnSpPr>
-        <p:spPr>
-          <a:xfrm>
-            <a:off x="3865142" y="2342094"/>
-            <a:ext cx="1724426" cy="1106681"/>
-          </a:xfrm>
-          <a:prstGeom prst="straightConnector1">
-            <a:avLst/>
-          </a:prstGeom>
-          <a:ln>
-            <a:tailEnd type="triangle"/>
-          </a:ln>
-        </p:spPr>
-        <p:style>
-          <a:lnRef idx="1">
-            <a:schemeClr val="accent1"/>
-          </a:lnRef>
-          <a:fillRef idx="0">
-            <a:schemeClr val="accent1"/>
-          </a:fillRef>
-          <a:effectRef idx="0">
-            <a:schemeClr val="accent1"/>
-          </a:effectRef>
-          <a:fontRef idx="minor">
-            <a:schemeClr val="tx1"/>
-          </a:fontRef>
-        </p:style>
-      </p:cxnSp>
       <p:sp>
         <p:nvSpPr>
           <p:cNvPr id="69" name="弧形 68">
@@ -9437,129 +9276,6 @@
             <a:r>
               <a:rPr lang="zh-CN" altLang="en-US" sz="1400" dirty="0"/>
               <a:t>失败</a:t>
-            </a:r>
-          </a:p>
-        </p:txBody>
-      </p:sp>
-      <p:sp>
-        <p:nvSpPr>
-          <p:cNvPr id="71" name="弧形 70">
-            <a:extLst>
-              <a:ext uri="{FF2B5EF4-FFF2-40B4-BE49-F238E27FC236}">
-                <a16:creationId xmlns:a16="http://schemas.microsoft.com/office/drawing/2014/main" id="{E9B09E5B-D503-43DD-A843-B7098BB91024}"/>
-              </a:ext>
-            </a:extLst>
-          </p:cNvPr>
-          <p:cNvSpPr/>
-          <p:nvPr/>
-        </p:nvSpPr>
-        <p:spPr>
-          <a:xfrm rot="19723631">
-            <a:off x="2355315" y="1881751"/>
-            <a:ext cx="294579" cy="289448"/>
-          </a:xfrm>
-          <a:prstGeom prst="arc">
-            <a:avLst>
-              <a:gd name="adj1" fmla="val 2029203"/>
-              <a:gd name="adj2" fmla="val 21400841"/>
-            </a:avLst>
-          </a:prstGeom>
-          <a:ln>
-            <a:headEnd type="triangle"/>
-          </a:ln>
-        </p:spPr>
-        <p:style>
-          <a:lnRef idx="1">
-            <a:schemeClr val="accent1"/>
-          </a:lnRef>
-          <a:fillRef idx="0">
-            <a:schemeClr val="accent1"/>
-          </a:fillRef>
-          <a:effectRef idx="0">
-            <a:schemeClr val="accent1"/>
-          </a:effectRef>
-          <a:fontRef idx="minor">
-            <a:schemeClr val="tx1"/>
-          </a:fontRef>
-        </p:style>
-        <p:txBody>
-          <a:bodyPr rtlCol="0" anchor="ctr"/>
-          <a:lstStyle/>
-          <a:p>
-            <a:pPr algn="ctr"/>
-            <a:endParaRPr lang="zh-CN" altLang="en-US" dirty="0"/>
-          </a:p>
-        </p:txBody>
-      </p:sp>
-      <p:sp>
-        <p:nvSpPr>
-          <p:cNvPr id="72" name="文本框 71">
-            <a:extLst>
-              <a:ext uri="{FF2B5EF4-FFF2-40B4-BE49-F238E27FC236}">
-                <a16:creationId xmlns:a16="http://schemas.microsoft.com/office/drawing/2014/main" id="{1D6663F6-4898-4D3F-8FFD-909C55B9AA26}"/>
-              </a:ext>
-            </a:extLst>
-          </p:cNvPr>
-          <p:cNvSpPr txBox="1"/>
-          <p:nvPr/>
-        </p:nvSpPr>
-        <p:spPr>
-          <a:xfrm flipH="1">
-            <a:off x="387984" y="1682518"/>
-            <a:ext cx="2758314" cy="523220"/>
-          </a:xfrm>
-          <a:prstGeom prst="rect">
-            <a:avLst/>
-          </a:prstGeom>
-          <a:noFill/>
-        </p:spPr>
-        <p:txBody>
-          <a:bodyPr wrap="square" rtlCol="0">
-            <a:spAutoFit/>
-          </a:bodyPr>
-          <a:lstStyle/>
-          <a:p>
-            <a:r>
-              <a:rPr lang="en-US" altLang="zh-CN" sz="1400" dirty="0"/>
-              <a:t>(1)regulator</a:t>
-            </a:r>
-            <a:r>
-              <a:rPr lang="zh-CN" altLang="en-US" sz="1400" dirty="0"/>
-              <a:t>重新添加</a:t>
-            </a:r>
-            <a:r>
-              <a:rPr lang="en-US" altLang="zh-CN" sz="1400" dirty="0"/>
-              <a:t>SFCI:</a:t>
-            </a:r>
-            <a:r>
-              <a:rPr lang="zh-CN" altLang="en-US" sz="1400" dirty="0"/>
-              <a:t>失败</a:t>
-            </a:r>
-            <a:r>
-              <a:rPr lang="en-US" altLang="zh-CN" sz="1400" dirty="0"/>
-              <a:t>;</a:t>
-            </a:r>
-          </a:p>
-          <a:p>
-            <a:r>
-              <a:rPr lang="en-US" altLang="zh-CN" sz="1400" dirty="0"/>
-              <a:t>(2)</a:t>
-            </a:r>
-            <a:r>
-              <a:rPr lang="zh-CN" altLang="en-US" sz="1400" dirty="0"/>
-              <a:t>手动重新添加</a:t>
-            </a:r>
-            <a:r>
-              <a:rPr lang="en-US" altLang="zh-CN" sz="1400" dirty="0"/>
-              <a:t>:</a:t>
-            </a:r>
-            <a:r>
-              <a:rPr lang="zh-CN" altLang="en-US" sz="1400" dirty="0"/>
-              <a:t>失败</a:t>
-            </a:r>
-            <a:r>
-              <a:rPr lang="en-US" altLang="zh-CN" sz="1400" dirty="0"/>
-              <a:t>;</a:t>
             </a:r>
           </a:p>
         </p:txBody>
@@ -9983,6 +9699,56 @@
               <a:rPr lang="zh-CN" altLang="en-US" sz="1400" dirty="0"/>
               <a:t>失败</a:t>
             </a:r>
+          </a:p>
+        </p:txBody>
+      </p:sp>
+      <p:sp>
+        <p:nvSpPr>
+          <p:cNvPr id="35" name="弧形 34">
+            <a:extLst>
+              <a:ext uri="{FF2B5EF4-FFF2-40B4-BE49-F238E27FC236}">
+                <a16:creationId xmlns:a16="http://schemas.microsoft.com/office/drawing/2014/main" id="{3DD7F565-68F5-492E-B3A1-146622D0015E}"/>
+              </a:ext>
+            </a:extLst>
+          </p:cNvPr>
+          <p:cNvSpPr/>
+          <p:nvPr/>
+        </p:nvSpPr>
+        <p:spPr>
+          <a:xfrm rot="16200000">
+            <a:off x="1500428" y="2428505"/>
+            <a:ext cx="2306085" cy="931904"/>
+          </a:xfrm>
+          <a:prstGeom prst="arc">
+            <a:avLst>
+              <a:gd name="adj1" fmla="val 10854140"/>
+              <a:gd name="adj2" fmla="val 21400841"/>
+            </a:avLst>
+          </a:prstGeom>
+          <a:ln>
+            <a:headEnd type="triangle"/>
+          </a:ln>
+        </p:spPr>
+        <p:style>
+          <a:lnRef idx="1">
+            <a:schemeClr val="accent1"/>
+          </a:lnRef>
+          <a:fillRef idx="0">
+            <a:schemeClr val="accent1"/>
+          </a:fillRef>
+          <a:effectRef idx="0">
+            <a:schemeClr val="accent1"/>
+          </a:effectRef>
+          <a:fontRef idx="minor">
+            <a:schemeClr val="tx1"/>
+          </a:fontRef>
+        </p:style>
+        <p:txBody>
+          <a:bodyPr rtlCol="0" anchor="ctr"/>
+          <a:lstStyle/>
+          <a:p>
+            <a:pPr algn="ctr"/>
+            <a:endParaRPr lang="zh-CN" altLang="en-US" dirty="0"/>
           </a:p>
         </p:txBody>
       </p:sp>
